--- a/English_DATABASE.pptx
+++ b/English_DATABASE.pptx
@@ -1546,7 +1546,7 @@
           <a:p>
             <a:fld id="{1A2F0B57-8E6A-4005-9EDD-D258F6CC94AB}" type="datetimeFigureOut">
               <a:rPr lang="uk-UA" smtClean="0"/>
-              <a:t>14.05.2024</a:t>
+              <a:t>17.05.2024</a:t>
             </a:fld>
             <a:endParaRPr lang="uk-UA"/>
           </a:p>
@@ -1714,7 +1714,7 @@
           <a:p>
             <a:fld id="{1A2F0B57-8E6A-4005-9EDD-D258F6CC94AB}" type="datetimeFigureOut">
               <a:rPr lang="uk-UA" smtClean="0"/>
-              <a:t>14.05.2024</a:t>
+              <a:t>17.05.2024</a:t>
             </a:fld>
             <a:endParaRPr lang="uk-UA"/>
           </a:p>
@@ -1892,7 +1892,7 @@
           <a:p>
             <a:fld id="{1A2F0B57-8E6A-4005-9EDD-D258F6CC94AB}" type="datetimeFigureOut">
               <a:rPr lang="uk-UA" smtClean="0"/>
-              <a:t>14.05.2024</a:t>
+              <a:t>17.05.2024</a:t>
             </a:fld>
             <a:endParaRPr lang="uk-UA"/>
           </a:p>
@@ -2060,7 +2060,7 @@
           <a:p>
             <a:fld id="{1A2F0B57-8E6A-4005-9EDD-D258F6CC94AB}" type="datetimeFigureOut">
               <a:rPr lang="uk-UA" smtClean="0"/>
-              <a:t>14.05.2024</a:t>
+              <a:t>17.05.2024</a:t>
             </a:fld>
             <a:endParaRPr lang="uk-UA"/>
           </a:p>
@@ -2305,7 +2305,7 @@
           <a:p>
             <a:fld id="{1A2F0B57-8E6A-4005-9EDD-D258F6CC94AB}" type="datetimeFigureOut">
               <a:rPr lang="uk-UA" smtClean="0"/>
-              <a:t>14.05.2024</a:t>
+              <a:t>17.05.2024</a:t>
             </a:fld>
             <a:endParaRPr lang="uk-UA"/>
           </a:p>
@@ -2534,7 +2534,7 @@
           <a:p>
             <a:fld id="{1A2F0B57-8E6A-4005-9EDD-D258F6CC94AB}" type="datetimeFigureOut">
               <a:rPr lang="uk-UA" smtClean="0"/>
-              <a:t>14.05.2024</a:t>
+              <a:t>17.05.2024</a:t>
             </a:fld>
             <a:endParaRPr lang="uk-UA"/>
           </a:p>
@@ -2898,7 +2898,7 @@
           <a:p>
             <a:fld id="{1A2F0B57-8E6A-4005-9EDD-D258F6CC94AB}" type="datetimeFigureOut">
               <a:rPr lang="uk-UA" smtClean="0"/>
-              <a:t>14.05.2024</a:t>
+              <a:t>17.05.2024</a:t>
             </a:fld>
             <a:endParaRPr lang="uk-UA"/>
           </a:p>
@@ -3015,7 +3015,7 @@
           <a:p>
             <a:fld id="{1A2F0B57-8E6A-4005-9EDD-D258F6CC94AB}" type="datetimeFigureOut">
               <a:rPr lang="uk-UA" smtClean="0"/>
-              <a:t>14.05.2024</a:t>
+              <a:t>17.05.2024</a:t>
             </a:fld>
             <a:endParaRPr lang="uk-UA"/>
           </a:p>
@@ -3110,7 +3110,7 @@
           <a:p>
             <a:fld id="{1A2F0B57-8E6A-4005-9EDD-D258F6CC94AB}" type="datetimeFigureOut">
               <a:rPr lang="uk-UA" smtClean="0"/>
-              <a:t>14.05.2024</a:t>
+              <a:t>17.05.2024</a:t>
             </a:fld>
             <a:endParaRPr lang="uk-UA"/>
           </a:p>
@@ -3385,7 +3385,7 @@
           <a:p>
             <a:fld id="{1A2F0B57-8E6A-4005-9EDD-D258F6CC94AB}" type="datetimeFigureOut">
               <a:rPr lang="uk-UA" smtClean="0"/>
-              <a:t>14.05.2024</a:t>
+              <a:t>17.05.2024</a:t>
             </a:fld>
             <a:endParaRPr lang="uk-UA"/>
           </a:p>
@@ -3637,7 +3637,7 @@
           <a:p>
             <a:fld id="{1A2F0B57-8E6A-4005-9EDD-D258F6CC94AB}" type="datetimeFigureOut">
               <a:rPr lang="uk-UA" smtClean="0"/>
-              <a:t>14.05.2024</a:t>
+              <a:t>17.05.2024</a:t>
             </a:fld>
             <a:endParaRPr lang="uk-UA"/>
           </a:p>
@@ -3848,7 +3848,7 @@
           <a:p>
             <a:fld id="{1A2F0B57-8E6A-4005-9EDD-D258F6CC94AB}" type="datetimeFigureOut">
               <a:rPr lang="uk-UA" smtClean="0"/>
-              <a:t>14.05.2024</a:t>
+              <a:t>17.05.2024</a:t>
             </a:fld>
             <a:endParaRPr lang="uk-UA"/>
           </a:p>
@@ -5104,7 +5104,7 @@
         <p:spPr>
           <a:xfrm>
             <a:off x="358260" y="995655"/>
-            <a:ext cx="5737230" cy="5866862"/>
+            <a:ext cx="5737230" cy="5866350"/>
           </a:xfrm>
           <a:prstGeom prst="rect">
             <a:avLst/>
@@ -5131,10 +5131,10 @@
               <a:t>Simplify - </a:t>
             </a:r>
             <a:r>
-              <a:rPr lang="en-US" err="1"/>
+              <a:rPr lang="en-US" dirty="0" err="1"/>
               <a:t>спростовувати</a:t>
             </a:r>
-            <a:endParaRPr lang="en-US"/>
+            <a:endParaRPr lang="en-US" dirty="0"/>
           </a:p>
           <a:p>
             <a:pPr marL="800100" lvl="1" indent="-342900">
@@ -5148,7 +5148,7 @@
               <a:t>Linked - </a:t>
             </a:r>
             <a:r>
-              <a:rPr lang="en-US" err="1"/>
+              <a:rPr lang="en-US" dirty="0" err="1"/>
               <a:t>посилатися</a:t>
             </a:r>
             <a:r>
@@ -5156,7 +5156,7 @@
               <a:t> </a:t>
             </a:r>
             <a:r>
-              <a:rPr lang="en-US" err="1"/>
+              <a:rPr lang="en-US" dirty="0" err="1"/>
               <a:t>на</a:t>
             </a:r>
             <a:r>
@@ -5164,10 +5164,10 @@
               <a:t> </a:t>
             </a:r>
             <a:r>
-              <a:rPr lang="en-US" err="1"/>
+              <a:rPr lang="en-US" dirty="0" err="1"/>
               <a:t>щось</a:t>
             </a:r>
-            <a:endParaRPr lang="en-US"/>
+            <a:endParaRPr lang="en-US" dirty="0"/>
           </a:p>
           <a:p>
             <a:pPr marL="800100" lvl="1" indent="-342900">
@@ -5181,10 +5181,10 @@
               <a:t>Management - </a:t>
             </a:r>
             <a:r>
-              <a:rPr lang="en-US" err="1"/>
+              <a:rPr lang="en-US" dirty="0" err="1"/>
               <a:t>управління</a:t>
             </a:r>
-            <a:endParaRPr lang="en-US"/>
+            <a:endParaRPr lang="en-US" dirty="0"/>
           </a:p>
           <a:p>
             <a:pPr marL="800100" lvl="1" indent="-342900">
@@ -5198,7 +5198,7 @@
               <a:t>Thus - </a:t>
             </a:r>
             <a:r>
-              <a:rPr lang="en-US" err="1"/>
+              <a:rPr lang="en-US" dirty="0" err="1"/>
               <a:t>таким</a:t>
             </a:r>
             <a:r>
@@ -5206,10 +5206,10 @@
               <a:t> </a:t>
             </a:r>
             <a:r>
-              <a:rPr lang="en-US" err="1"/>
+              <a:rPr lang="en-US" dirty="0" err="1"/>
               <a:t>чином</a:t>
             </a:r>
-            <a:endParaRPr lang="en-US"/>
+            <a:endParaRPr lang="en-US" dirty="0"/>
           </a:p>
           <a:p>
             <a:pPr marL="800100" lvl="1" indent="-342900">
@@ -5223,10 +5223,10 @@
               <a:t>Query - </a:t>
             </a:r>
             <a:r>
-              <a:rPr lang="en-US" err="1"/>
+              <a:rPr lang="en-US" dirty="0" err="1"/>
               <a:t>запит</a:t>
             </a:r>
-            <a:endParaRPr lang="en-US"/>
+            <a:endParaRPr lang="en-US" dirty="0"/>
           </a:p>
           <a:p>
             <a:pPr marL="800100" lvl="1" indent="-342900">
@@ -5255,10 +5255,10 @@
               <a:t>Row - </a:t>
             </a:r>
             <a:r>
-              <a:rPr lang="en-US" err="1"/>
+              <a:rPr lang="en-US" dirty="0" err="1"/>
               <a:t>рядок</a:t>
             </a:r>
-            <a:endParaRPr lang="en-US"/>
+            <a:endParaRPr lang="en-US" dirty="0"/>
           </a:p>
           <a:p>
             <a:pPr marL="800100" lvl="1" indent="-342900">
@@ -5272,10 +5272,10 @@
               <a:t>Column - </a:t>
             </a:r>
             <a:r>
-              <a:rPr lang="en-US" err="1"/>
+              <a:rPr lang="en-US" dirty="0" err="1"/>
               <a:t>колонка</a:t>
             </a:r>
-            <a:endParaRPr lang="en-US"/>
+            <a:endParaRPr lang="en-US" dirty="0"/>
           </a:p>
           <a:p>
             <a:pPr marL="800100" lvl="1" indent="-342900">
@@ -5289,10 +5289,10 @@
               <a:t>Distributed -  </a:t>
             </a:r>
             <a:r>
-              <a:rPr lang="en-US" err="1"/>
+              <a:rPr lang="en-US" dirty="0" err="1"/>
               <a:t>розподілений</a:t>
             </a:r>
-            <a:endParaRPr lang="en-US"/>
+            <a:endParaRPr lang="en-US" dirty="0"/>
           </a:p>
           <a:p>
             <a:pPr marL="800100" lvl="1" indent="-342900">
@@ -5306,7 +5306,7 @@
               <a:t>Data warehouses – </a:t>
             </a:r>
             <a:r>
-              <a:rPr lang="en-US" err="1"/>
+              <a:rPr lang="en-US" dirty="0" err="1"/>
               <a:t>сховища</a:t>
             </a:r>
             <a:r>
@@ -5314,10 +5314,10 @@
               <a:t> </a:t>
             </a:r>
             <a:r>
-              <a:rPr lang="en-US" err="1"/>
+              <a:rPr lang="en-US" dirty="0" err="1"/>
               <a:t>даних</a:t>
             </a:r>
-            <a:endParaRPr lang="en-US"/>
+            <a:endParaRPr lang="en-US" dirty="0"/>
           </a:p>
           <a:p>
             <a:pPr marL="800100" lvl="1" indent="-342900">
@@ -5331,7 +5331,7 @@
               <a:t>Set of rules - </a:t>
             </a:r>
             <a:r>
-              <a:rPr lang="en-US" err="1"/>
+              <a:rPr lang="en-US" dirty="0" err="1"/>
               <a:t>набір</a:t>
             </a:r>
             <a:r>
@@ -5339,10 +5339,10 @@
               <a:t> </a:t>
             </a:r>
             <a:r>
-              <a:rPr lang="en-US" err="1"/>
+              <a:rPr lang="en-US" dirty="0" err="1"/>
               <a:t>правил</a:t>
             </a:r>
-            <a:endParaRPr lang="en-US"/>
+            <a:endParaRPr lang="en-US" dirty="0"/>
           </a:p>
           <a:p>
             <a:pPr marL="800100" lvl="1" indent="-342900">
@@ -5356,7 +5356,7 @@
               <a:t>Raw information - </a:t>
             </a:r>
             <a:r>
-              <a:rPr lang="en-US" err="1"/>
+              <a:rPr lang="en-US" dirty="0" err="1"/>
               <a:t>вихідна</a:t>
             </a:r>
             <a:r>
@@ -5364,10 +5364,10 @@
               <a:t> </a:t>
             </a:r>
             <a:r>
-              <a:rPr lang="en-US" err="1"/>
+              <a:rPr lang="en-US" dirty="0" err="1"/>
               <a:t>інформація</a:t>
             </a:r>
-            <a:endParaRPr lang="en-US"/>
+            <a:endParaRPr lang="en-US" dirty="0"/>
           </a:p>
           <a:p>
             <a:pPr marL="800100" lvl="1" indent="-342900">
@@ -5381,7 +5381,7 @@
               <a:t>A variety of formats - </a:t>
             </a:r>
             <a:r>
-              <a:rPr lang="en-US" err="1"/>
+              <a:rPr lang="en-US" dirty="0" err="1"/>
               <a:t>різноманітність</a:t>
             </a:r>
             <a:r>
@@ -5389,10 +5389,10 @@
               <a:t> </a:t>
             </a:r>
             <a:r>
-              <a:rPr lang="en-US" err="1"/>
+              <a:rPr lang="en-US" dirty="0" err="1"/>
               <a:t>форматів</a:t>
             </a:r>
-            <a:endParaRPr lang="en-US" dirty="0" err="1"/>
+            <a:endParaRPr lang="en-US" sz="1600" dirty="0"/>
           </a:p>
           <a:p>
             <a:pPr marL="800100" lvl="1" indent="-342900">
@@ -5402,20 +5402,14 @@
               <a:buAutoNum type="arabicPeriod"/>
             </a:pPr>
             <a:r>
-              <a:rPr lang="en-US" dirty="0">
-                <a:latin typeface="Arial"/>
-                <a:cs typeface="Arial"/>
-              </a:rPr>
-              <a:t>Retrieve - </a:t>
-            </a:r>
-            <a:r>
-              <a:rPr lang="en-US" err="1">
-                <a:latin typeface="Arial"/>
-                <a:cs typeface="Arial"/>
-              </a:rPr>
+              <a:rPr lang="en-US" dirty="0"/>
+              <a:t>Retrieve - </a:t>
+            </a:r>
+            <a:r>
+              <a:rPr lang="uk-UA" dirty="0"/>
               <a:t>отримати</a:t>
             </a:r>
-            <a:endParaRPr lang="en-US"/>
+            <a:endParaRPr lang="en-US" dirty="0"/>
           </a:p>
         </p:txBody>
       </p:sp>
@@ -5457,19 +5451,17 @@
             </a:pPr>
             <a:r>
               <a:rPr lang="en-US" dirty="0">
-                <a:latin typeface="Arial"/>
                 <a:cs typeface="Arial"/>
               </a:rPr>
               <a:t>15. Via - </a:t>
             </a:r>
             <a:r>
-              <a:rPr lang="en-US" err="1">
-                <a:latin typeface="Arial"/>
+              <a:rPr lang="en-US" dirty="0" err="1">
                 <a:cs typeface="Arial"/>
               </a:rPr>
               <a:t>через</a:t>
             </a:r>
-            <a:endParaRPr lang="en-US"/>
+            <a:endParaRPr lang="en-US" dirty="0"/>
           </a:p>
           <a:p>
             <a:pPr lvl="1">
@@ -5479,20 +5471,17 @@
             </a:pPr>
             <a:r>
               <a:rPr lang="en-US" dirty="0">
-                <a:latin typeface="Arial"/>
                 <a:cs typeface="Arial"/>
               </a:rPr>
               <a:t>16. Report - </a:t>
             </a:r>
             <a:r>
-              <a:rPr lang="en-US" err="1">
-                <a:latin typeface="Arial"/>
+              <a:rPr lang="en-US" dirty="0" err="1">
                 <a:cs typeface="Arial"/>
               </a:rPr>
               <a:t>звіт</a:t>
             </a:r>
-            <a:endParaRPr lang="en-US">
-              <a:latin typeface="Arial"/>
+            <a:endParaRPr lang="en-US" dirty="0">
               <a:cs typeface="Arial"/>
             </a:endParaRPr>
           </a:p>
@@ -5504,20 +5493,17 @@
             </a:pPr>
             <a:r>
               <a:rPr lang="en-US" dirty="0">
-                <a:latin typeface="Arial"/>
                 <a:cs typeface="Arial"/>
               </a:rPr>
               <a:t>17. Represent - </a:t>
             </a:r>
             <a:r>
-              <a:rPr lang="en-US" err="1">
-                <a:latin typeface="Arial"/>
+              <a:rPr lang="en-US" dirty="0" err="1">
                 <a:cs typeface="Arial"/>
               </a:rPr>
               <a:t>представляти</a:t>
             </a:r>
-            <a:endParaRPr lang="en-US">
-              <a:latin typeface="Arial"/>
+            <a:endParaRPr lang="en-US" dirty="0">
               <a:cs typeface="Arial"/>
             </a:endParaRPr>
           </a:p>
@@ -5529,34 +5515,29 @@
             </a:pPr>
             <a:r>
               <a:rPr lang="en-US" dirty="0">
-                <a:latin typeface="Arial"/>
                 <a:cs typeface="Arial"/>
               </a:rPr>
               <a:t>18. Backup - </a:t>
             </a:r>
             <a:r>
-              <a:rPr lang="en-US" err="1">
-                <a:latin typeface="Arial"/>
+              <a:rPr lang="en-US" dirty="0" err="1">
                 <a:cs typeface="Arial"/>
               </a:rPr>
               <a:t>резервне</a:t>
             </a:r>
             <a:r>
               <a:rPr lang="en-US" dirty="0">
-                <a:latin typeface="Arial"/>
                 <a:cs typeface="Arial"/>
               </a:rPr>
               <a:t> </a:t>
             </a:r>
             <a:r>
-              <a:rPr lang="en-US" err="1">
-                <a:latin typeface="Arial"/>
+              <a:rPr lang="en-US" dirty="0" err="1">
                 <a:cs typeface="Arial"/>
               </a:rPr>
               <a:t>копіювання</a:t>
             </a:r>
-            <a:endParaRPr lang="en-US">
-              <a:latin typeface="Arial"/>
+            <a:endParaRPr lang="en-US" dirty="0">
               <a:cs typeface="Arial"/>
             </a:endParaRPr>
           </a:p>
@@ -5568,34 +5549,29 @@
             </a:pPr>
             <a:r>
               <a:rPr lang="en-US" dirty="0">
-                <a:latin typeface="Arial"/>
                 <a:cs typeface="Arial"/>
               </a:rPr>
               <a:t>19. Tabular form - </a:t>
             </a:r>
             <a:r>
-              <a:rPr lang="en-US" err="1">
-                <a:latin typeface="Arial"/>
+              <a:rPr lang="en-US" dirty="0" err="1">
                 <a:cs typeface="Arial"/>
               </a:rPr>
               <a:t>таблична</a:t>
             </a:r>
             <a:r>
               <a:rPr lang="en-US" dirty="0">
-                <a:latin typeface="Arial"/>
                 <a:cs typeface="Arial"/>
               </a:rPr>
               <a:t> </a:t>
             </a:r>
             <a:r>
-              <a:rPr lang="en-US" err="1">
-                <a:latin typeface="Arial"/>
+              <a:rPr lang="en-US" dirty="0" err="1">
                 <a:cs typeface="Arial"/>
               </a:rPr>
               <a:t>форма</a:t>
             </a:r>
-            <a:endParaRPr lang="en-US">
-              <a:latin typeface="Arial"/>
+            <a:endParaRPr lang="en-US" dirty="0">
               <a:cs typeface="Arial"/>
             </a:endParaRPr>
           </a:p>
@@ -5607,13 +5583,12 @@
             </a:pPr>
             <a:r>
               <a:rPr lang="en-US" dirty="0">
-                <a:latin typeface="Arial"/>
                 <a:cs typeface="Arial"/>
               </a:rPr>
               <a:t>20. SQL(structured query language) - </a:t>
             </a:r>
             <a:r>
-              <a:rPr lang="en-US" err="1">
+              <a:rPr lang="en-US" dirty="0" err="1">
                 <a:ea typeface="+mn-lt"/>
                 <a:cs typeface="+mn-lt"/>
               </a:rPr>
@@ -5627,7 +5602,7 @@
               <a:t> </a:t>
             </a:r>
             <a:r>
-              <a:rPr lang="en-US" err="1">
+              <a:rPr lang="en-US" dirty="0" err="1">
                 <a:ea typeface="+mn-lt"/>
                 <a:cs typeface="+mn-lt"/>
               </a:rPr>
@@ -5641,14 +5616,13 @@
               <a:t> </a:t>
             </a:r>
             <a:r>
-              <a:rPr lang="en-US" err="1">
+              <a:rPr lang="en-US" dirty="0" err="1">
                 <a:ea typeface="+mn-lt"/>
                 <a:cs typeface="+mn-lt"/>
               </a:rPr>
               <a:t>запитів</a:t>
             </a:r>
-            <a:endParaRPr lang="en-US" err="1">
-              <a:latin typeface="Arial"/>
+            <a:endParaRPr lang="en-US" dirty="0">
               <a:cs typeface="Arial"/>
             </a:endParaRPr>
           </a:p>
@@ -5660,21 +5634,18 @@
             </a:pPr>
             <a:r>
               <a:rPr lang="en-US" dirty="0">
-                <a:latin typeface="Arial"/>
                 <a:cs typeface="Arial"/>
               </a:rPr>
               <a:t>20. SQL statement - </a:t>
             </a:r>
             <a:r>
-              <a:rPr lang="en-US" err="1">
-                <a:latin typeface="Arial"/>
+              <a:rPr lang="en-US" dirty="0" err="1">
                 <a:cs typeface="Arial"/>
               </a:rPr>
               <a:t>оператор</a:t>
             </a:r>
             <a:r>
               <a:rPr lang="en-US" dirty="0">
-                <a:latin typeface="Arial"/>
                 <a:cs typeface="Arial"/>
               </a:rPr>
               <a:t> SQL</a:t>
@@ -5688,34 +5659,29 @@
             </a:pPr>
             <a:r>
               <a:rPr lang="en-US" dirty="0">
-                <a:latin typeface="Arial"/>
                 <a:cs typeface="Arial"/>
               </a:rPr>
               <a:t>21. Maintain - </a:t>
             </a:r>
             <a:r>
-              <a:rPr lang="en-US" err="1">
-                <a:latin typeface="Arial"/>
+              <a:rPr lang="en-US" dirty="0" err="1">
                 <a:cs typeface="Arial"/>
               </a:rPr>
               <a:t>підтримувати</a:t>
             </a:r>
             <a:r>
               <a:rPr lang="en-US" dirty="0">
-                <a:latin typeface="Arial"/>
                 <a:cs typeface="Arial"/>
               </a:rPr>
               <a:t>, </a:t>
             </a:r>
             <a:r>
-              <a:rPr lang="en-US" err="1">
-                <a:latin typeface="Arial"/>
+              <a:rPr lang="en-US" dirty="0" err="1">
                 <a:cs typeface="Arial"/>
               </a:rPr>
               <a:t>зберігати</a:t>
             </a:r>
-            <a:endParaRPr lang="en-US">
-              <a:latin typeface="Arial"/>
+            <a:endParaRPr lang="en-US" dirty="0">
               <a:cs typeface="Arial"/>
             </a:endParaRPr>
           </a:p>
@@ -5727,20 +5693,17 @@
             </a:pPr>
             <a:r>
               <a:rPr lang="en-US" dirty="0">
-                <a:latin typeface="Arial"/>
                 <a:cs typeface="Arial"/>
               </a:rPr>
               <a:t>22. Frequently - </a:t>
             </a:r>
             <a:r>
-              <a:rPr lang="en-US" err="1">
-                <a:latin typeface="Arial"/>
+              <a:rPr lang="en-US" dirty="0" err="1">
                 <a:cs typeface="Arial"/>
               </a:rPr>
               <a:t>часто</a:t>
             </a:r>
-            <a:endParaRPr lang="en-US">
-              <a:latin typeface="Arial"/>
+            <a:endParaRPr lang="en-US" dirty="0">
               <a:cs typeface="Arial"/>
             </a:endParaRPr>
           </a:p>
@@ -5752,34 +5715,29 @@
             </a:pPr>
             <a:r>
               <a:rPr lang="en-US" dirty="0">
-                <a:latin typeface="Arial"/>
                 <a:cs typeface="Arial"/>
               </a:rPr>
               <a:t>23. Fairly easy - </a:t>
             </a:r>
             <a:r>
-              <a:rPr lang="en-US" err="1">
-                <a:latin typeface="Arial"/>
+              <a:rPr lang="en-US" dirty="0" err="1">
                 <a:cs typeface="Arial"/>
               </a:rPr>
               <a:t>досить</a:t>
             </a:r>
             <a:r>
               <a:rPr lang="en-US" dirty="0">
-                <a:latin typeface="Arial"/>
                 <a:cs typeface="Arial"/>
               </a:rPr>
               <a:t> </a:t>
             </a:r>
             <a:r>
-              <a:rPr lang="en-US" err="1">
-                <a:latin typeface="Arial"/>
+              <a:rPr lang="en-US" dirty="0" err="1">
                 <a:cs typeface="Arial"/>
               </a:rPr>
               <a:t>легко</a:t>
             </a:r>
-            <a:endParaRPr lang="en-US">
-              <a:latin typeface="Arial"/>
+            <a:endParaRPr lang="en-US" dirty="0">
               <a:cs typeface="Arial"/>
             </a:endParaRPr>
           </a:p>
@@ -5791,20 +5749,17 @@
             </a:pPr>
             <a:r>
               <a:rPr lang="en-US" dirty="0">
-                <a:latin typeface="Arial"/>
                 <a:cs typeface="Arial"/>
               </a:rPr>
               <a:t>24. Verify - </a:t>
             </a:r>
             <a:r>
-              <a:rPr lang="en-US" err="1">
-                <a:latin typeface="Arial"/>
+              <a:rPr lang="en-US" dirty="0" err="1">
                 <a:cs typeface="Arial"/>
               </a:rPr>
               <a:t>перевіряти</a:t>
             </a:r>
-            <a:endParaRPr lang="en-US">
-              <a:latin typeface="Arial"/>
+            <a:endParaRPr lang="en-US" dirty="0">
               <a:cs typeface="Arial"/>
             </a:endParaRPr>
           </a:p>
@@ -5816,34 +5771,29 @@
             </a:pPr>
             <a:r>
               <a:rPr lang="en-US" dirty="0">
-                <a:latin typeface="Arial"/>
                 <a:cs typeface="Arial"/>
               </a:rPr>
               <a:t>25. Respective data -  </a:t>
             </a:r>
             <a:r>
-              <a:rPr lang="en-US" err="1">
-                <a:latin typeface="Arial"/>
+              <a:rPr lang="en-US" dirty="0" err="1">
                 <a:cs typeface="Arial"/>
               </a:rPr>
               <a:t>відповідні</a:t>
             </a:r>
             <a:r>
               <a:rPr lang="en-US" dirty="0">
-                <a:latin typeface="Arial"/>
                 <a:cs typeface="Arial"/>
               </a:rPr>
               <a:t> </a:t>
             </a:r>
             <a:r>
-              <a:rPr lang="en-US" err="1">
-                <a:latin typeface="Arial"/>
+              <a:rPr lang="en-US" dirty="0" err="1">
                 <a:cs typeface="Arial"/>
               </a:rPr>
               <a:t>дані</a:t>
             </a:r>
-            <a:endParaRPr lang="en-US">
-              <a:latin typeface="Arial"/>
+            <a:endParaRPr lang="en-US" dirty="0">
               <a:cs typeface="Arial"/>
             </a:endParaRPr>
           </a:p>
@@ -8569,7 +8519,7 @@
               <a:rPr lang="en-US" sz="2400" b="1" dirty="0"/>
               <a:t>What is a DBMS?</a:t>
             </a:r>
-            <a:endParaRPr lang="en-US" b="1"/>
+            <a:endParaRPr lang="en-US" b="1" dirty="0"/>
           </a:p>
           <a:p>
             <a:pPr algn="ctr"/>
